--- a/le choix de la technologie/Nouveau Microsoft PowerPoint Presentation.pptx
+++ b/le choix de la technologie/Nouveau Microsoft PowerPoint Presentation.pptx
@@ -2,11 +2,16 @@
 <file path=ppt/presentation.xml><?xml version="1.0" encoding="utf-8"?>
 <p:presentation xmlns:a="http://schemas.openxmlformats.org/drawingml/2006/main" xmlns:r="http://schemas.openxmlformats.org/officeDocument/2006/relationships" xmlns:p="http://schemas.openxmlformats.org/presentationml/2006/main" saveSubsetFonts="1">
   <p:sldMasterIdLst>
-    <p:sldMasterId id="2147483648" r:id="rId1"/>
+    <p:sldMasterId id="2147483648" r:id="rId2"/>
   </p:sldMasterIdLst>
   <p:sldIdLst>
-    <p:sldId id="256" r:id="rId2"/>
-    <p:sldId id="257" r:id="rId3"/>
+    <p:sldId id="256" r:id="rId3"/>
+    <p:sldId id="257" r:id="rId4"/>
+    <p:sldId id="262" r:id="rId5"/>
+    <p:sldId id="261" r:id="rId6"/>
+    <p:sldId id="258" r:id="rId7"/>
+    <p:sldId id="259" r:id="rId8"/>
+    <p:sldId id="260" r:id="rId9"/>
   </p:sldIdLst>
   <p:sldSz cx="12192000" cy="6858000"/>
   <p:notesSz cx="6858000" cy="9144000"/>
@@ -105,6 +110,11 @@
       </a:defRPr>
     </a:lvl9pPr>
   </p:defaultTextStyle>
+  <p:extLst>
+    <p:ext uri="{EFAFB233-063F-42B5-8137-9DF3F51BA10A}">
+      <p15:sldGuideLst xmlns:p15="http://schemas.microsoft.com/office/powerpoint/2012/main"/>
+    </p:ext>
+  </p:extLst>
 </p:presentation>
 </file>
 
@@ -239,7 +249,7 @@
           <a:p>
             <a:fld id="{77C639C7-354D-4226-B33D-01DAE3CF3A88}" type="datetimeFigureOut">
               <a:rPr lang="fr-FR" smtClean="0"/>
-              <a:t>28/09/2020</a:t>
+              <a:t>29/09/2020</a:t>
             </a:fld>
             <a:endParaRPr lang="fr-FR"/>
           </a:p>
@@ -409,7 +419,7 @@
           <a:p>
             <a:fld id="{77C639C7-354D-4226-B33D-01DAE3CF3A88}" type="datetimeFigureOut">
               <a:rPr lang="fr-FR" smtClean="0"/>
-              <a:t>28/09/2020</a:t>
+              <a:t>29/09/2020</a:t>
             </a:fld>
             <a:endParaRPr lang="fr-FR"/>
           </a:p>
@@ -589,7 +599,7 @@
           <a:p>
             <a:fld id="{77C639C7-354D-4226-B33D-01DAE3CF3A88}" type="datetimeFigureOut">
               <a:rPr lang="fr-FR" smtClean="0"/>
-              <a:t>28/09/2020</a:t>
+              <a:t>29/09/2020</a:t>
             </a:fld>
             <a:endParaRPr lang="fr-FR"/>
           </a:p>
@@ -759,7 +769,7 @@
           <a:p>
             <a:fld id="{77C639C7-354D-4226-B33D-01DAE3CF3A88}" type="datetimeFigureOut">
               <a:rPr lang="fr-FR" smtClean="0"/>
-              <a:t>28/09/2020</a:t>
+              <a:t>29/09/2020</a:t>
             </a:fld>
             <a:endParaRPr lang="fr-FR"/>
           </a:p>
@@ -1005,7 +1015,7 @@
           <a:p>
             <a:fld id="{77C639C7-354D-4226-B33D-01DAE3CF3A88}" type="datetimeFigureOut">
               <a:rPr lang="fr-FR" smtClean="0"/>
-              <a:t>28/09/2020</a:t>
+              <a:t>29/09/2020</a:t>
             </a:fld>
             <a:endParaRPr lang="fr-FR"/>
           </a:p>
@@ -1237,7 +1247,7 @@
           <a:p>
             <a:fld id="{77C639C7-354D-4226-B33D-01DAE3CF3A88}" type="datetimeFigureOut">
               <a:rPr lang="fr-FR" smtClean="0"/>
-              <a:t>28/09/2020</a:t>
+              <a:t>29/09/2020</a:t>
             </a:fld>
             <a:endParaRPr lang="fr-FR"/>
           </a:p>
@@ -1604,7 +1614,7 @@
           <a:p>
             <a:fld id="{77C639C7-354D-4226-B33D-01DAE3CF3A88}" type="datetimeFigureOut">
               <a:rPr lang="fr-FR" smtClean="0"/>
-              <a:t>28/09/2020</a:t>
+              <a:t>29/09/2020</a:t>
             </a:fld>
             <a:endParaRPr lang="fr-FR"/>
           </a:p>
@@ -1722,7 +1732,7 @@
           <a:p>
             <a:fld id="{77C639C7-354D-4226-B33D-01DAE3CF3A88}" type="datetimeFigureOut">
               <a:rPr lang="fr-FR" smtClean="0"/>
-              <a:t>28/09/2020</a:t>
+              <a:t>29/09/2020</a:t>
             </a:fld>
             <a:endParaRPr lang="fr-FR"/>
           </a:p>
@@ -1817,7 +1827,7 @@
           <a:p>
             <a:fld id="{77C639C7-354D-4226-B33D-01DAE3CF3A88}" type="datetimeFigureOut">
               <a:rPr lang="fr-FR" smtClean="0"/>
-              <a:t>28/09/2020</a:t>
+              <a:t>29/09/2020</a:t>
             </a:fld>
             <a:endParaRPr lang="fr-FR"/>
           </a:p>
@@ -2094,7 +2104,7 @@
           <a:p>
             <a:fld id="{77C639C7-354D-4226-B33D-01DAE3CF3A88}" type="datetimeFigureOut">
               <a:rPr lang="fr-FR" smtClean="0"/>
-              <a:t>28/09/2020</a:t>
+              <a:t>29/09/2020</a:t>
             </a:fld>
             <a:endParaRPr lang="fr-FR"/>
           </a:p>
@@ -2347,7 +2357,7 @@
           <a:p>
             <a:fld id="{77C639C7-354D-4226-B33D-01DAE3CF3A88}" type="datetimeFigureOut">
               <a:rPr lang="fr-FR" smtClean="0"/>
-              <a:t>28/09/2020</a:t>
+              <a:t>29/09/2020</a:t>
             </a:fld>
             <a:endParaRPr lang="fr-FR"/>
           </a:p>
@@ -2560,7 +2570,7 @@
           <a:p>
             <a:fld id="{77C639C7-354D-4226-B33D-01DAE3CF3A88}" type="datetimeFigureOut">
               <a:rPr lang="fr-FR" smtClean="0"/>
-              <a:t>28/09/2020</a:t>
+              <a:t>29/09/2020</a:t>
             </a:fld>
             <a:endParaRPr lang="fr-FR"/>
           </a:p>
@@ -3091,44 +3101,13 @@
       </p:sp>
       <p:sp>
         <p:nvSpPr>
-          <p:cNvPr id="3" name="Content Placeholder 2"/>
-          <p:cNvSpPr>
-            <a:spLocks noGrp="1"/>
-          </p:cNvSpPr>
-          <p:nvPr>
-            <p:ph idx="1"/>
-          </p:nvPr>
-        </p:nvSpPr>
-        <p:spPr>
-          <a:xfrm>
-            <a:off x="2971799" y="1856508"/>
-            <a:ext cx="7779328" cy="1028411"/>
-          </a:xfrm>
-        </p:spPr>
-        <p:txBody>
-          <a:bodyPr/>
-          <a:lstStyle/>
-          <a:p>
-            <a:r>
-              <a:rPr lang="fr-FR" dirty="0" smtClean="0"/>
-              <a:t>les </a:t>
-            </a:r>
-            <a:r>
-              <a:rPr lang="fr-FR" dirty="0"/>
-              <a:t>coûts de développement et de licence</a:t>
-            </a:r>
-          </a:p>
-        </p:txBody>
-      </p:sp>
-      <p:sp>
-        <p:nvSpPr>
           <p:cNvPr id="4" name="Rounded Rectangle 3"/>
           <p:cNvSpPr/>
           <p:nvPr/>
         </p:nvSpPr>
         <p:spPr>
           <a:xfrm>
-            <a:off x="360219" y="1856508"/>
+            <a:off x="2161309" y="1585412"/>
             <a:ext cx="1801090" cy="734291"/>
           </a:xfrm>
           <a:prstGeom prst="roundRect">
@@ -3173,6 +3152,145 @@
         <p:spPr>
           <a:xfrm>
             <a:off x="360219" y="2884919"/>
+            <a:ext cx="1801090" cy="1056118"/>
+          </a:xfrm>
+          <a:prstGeom prst="roundRect">
+            <a:avLst/>
+          </a:prstGeom>
+        </p:spPr>
+        <p:style>
+          <a:lnRef idx="2">
+            <a:schemeClr val="accent1">
+              <a:shade val="50000"/>
+            </a:schemeClr>
+          </a:lnRef>
+          <a:fillRef idx="1">
+            <a:schemeClr val="accent1"/>
+          </a:fillRef>
+          <a:effectRef idx="0">
+            <a:schemeClr val="accent1"/>
+          </a:effectRef>
+          <a:fontRef idx="minor">
+            <a:schemeClr val="lt1"/>
+          </a:fontRef>
+        </p:style>
+        <p:txBody>
+          <a:bodyPr rtlCol="0" anchor="ctr"/>
+          <a:lstStyle/>
+          <a:p>
+            <a:pPr algn="ctr"/>
+            <a:r>
+              <a:rPr lang="fr-FR" dirty="0"/>
+              <a:t>les compétences de l'équipe </a:t>
+            </a:r>
+          </a:p>
+          <a:p>
+            <a:pPr algn="ctr"/>
+            <a:endParaRPr lang="fr-FR" dirty="0"/>
+          </a:p>
+        </p:txBody>
+      </p:sp>
+      <p:sp>
+        <p:nvSpPr>
+          <p:cNvPr id="7" name="Rounded Rectangle 6"/>
+          <p:cNvSpPr/>
+          <p:nvPr/>
+        </p:nvSpPr>
+        <p:spPr>
+          <a:xfrm>
+            <a:off x="1260764" y="4942164"/>
+            <a:ext cx="1801090" cy="1265242"/>
+          </a:xfrm>
+          <a:prstGeom prst="roundRect">
+            <a:avLst/>
+          </a:prstGeom>
+        </p:spPr>
+        <p:style>
+          <a:lnRef idx="2">
+            <a:schemeClr val="accent1">
+              <a:shade val="50000"/>
+            </a:schemeClr>
+          </a:lnRef>
+          <a:fillRef idx="1">
+            <a:schemeClr val="accent1"/>
+          </a:fillRef>
+          <a:effectRef idx="0">
+            <a:schemeClr val="accent1"/>
+          </a:effectRef>
+          <a:fontRef idx="minor">
+            <a:schemeClr val="lt1"/>
+          </a:fontRef>
+        </p:style>
+        <p:txBody>
+          <a:bodyPr rtlCol="0" anchor="ctr"/>
+          <a:lstStyle/>
+          <a:p>
+            <a:pPr algn="ctr"/>
+            <a:r>
+              <a:rPr lang="fr-FR" dirty="0"/>
+              <a:t>Type d'application </a:t>
+            </a:r>
+            <a:r>
+              <a:rPr lang="fr-FR" dirty="0" smtClean="0"/>
+              <a:t>Web(simple ou complexe)</a:t>
+            </a:r>
+            <a:endParaRPr lang="fr-FR" dirty="0"/>
+          </a:p>
+        </p:txBody>
+      </p:sp>
+      <p:sp>
+        <p:nvSpPr>
+          <p:cNvPr id="8" name="Rounded Rectangle 7"/>
+          <p:cNvSpPr/>
+          <p:nvPr/>
+        </p:nvSpPr>
+        <p:spPr>
+          <a:xfrm>
+            <a:off x="5195455" y="5663170"/>
+            <a:ext cx="1801090" cy="983672"/>
+          </a:xfrm>
+          <a:prstGeom prst="roundRect">
+            <a:avLst/>
+          </a:prstGeom>
+        </p:spPr>
+        <p:style>
+          <a:lnRef idx="2">
+            <a:schemeClr val="accent1">
+              <a:shade val="50000"/>
+            </a:schemeClr>
+          </a:lnRef>
+          <a:fillRef idx="1">
+            <a:schemeClr val="accent1"/>
+          </a:fillRef>
+          <a:effectRef idx="0">
+            <a:schemeClr val="accent1"/>
+          </a:effectRef>
+          <a:fontRef idx="minor">
+            <a:schemeClr val="lt1"/>
+          </a:fontRef>
+        </p:style>
+        <p:txBody>
+          <a:bodyPr rtlCol="0" anchor="ctr"/>
+          <a:lstStyle/>
+          <a:p>
+            <a:pPr algn="ctr"/>
+            <a:r>
+              <a:rPr lang="fr-FR" dirty="0" smtClean="0"/>
+              <a:t>Les Fonctionnalités de l’application</a:t>
+            </a:r>
+            <a:endParaRPr lang="fr-FR" dirty="0"/>
+          </a:p>
+        </p:txBody>
+      </p:sp>
+      <p:sp>
+        <p:nvSpPr>
+          <p:cNvPr id="9" name="Rounded Rectangle 8"/>
+          <p:cNvSpPr/>
+          <p:nvPr/>
+        </p:nvSpPr>
+        <p:spPr>
+          <a:xfrm>
+            <a:off x="8686799" y="5574785"/>
             <a:ext cx="1801090" cy="734291"/>
           </a:xfrm>
           <a:prstGeom prst="roundRect">
@@ -3202,7 +3320,7 @@
             <a:pPr algn="ctr"/>
             <a:r>
               <a:rPr lang="fr-FR" dirty="0" smtClean="0"/>
-              <a:t>compétences</a:t>
+              <a:t>Performances</a:t>
             </a:r>
             <a:endParaRPr lang="fr-FR" dirty="0"/>
           </a:p>
@@ -3210,207 +3328,13 @@
       </p:sp>
       <p:sp>
         <p:nvSpPr>
-          <p:cNvPr id="6" name="Content Placeholder 2"/>
-          <p:cNvSpPr txBox="1">
-            <a:spLocks/>
-          </p:cNvSpPr>
+          <p:cNvPr id="10" name="Rounded Rectangle 9"/>
+          <p:cNvSpPr/>
           <p:nvPr/>
         </p:nvSpPr>
         <p:spPr>
           <a:xfrm>
-            <a:off x="2971799" y="2970785"/>
-            <a:ext cx="7779328" cy="1028411"/>
-          </a:xfrm>
-          <a:prstGeom prst="rect">
-            <a:avLst/>
-          </a:prstGeom>
-        </p:spPr>
-        <p:txBody>
-          <a:bodyPr vert="horz" lIns="91440" tIns="45720" rIns="91440" bIns="45720" rtlCol="0">
-            <a:normAutofit/>
-          </a:bodyPr>
-          <a:lstStyle>
-            <a:lvl1pPr marL="228600" indent="-228600" algn="l" defTabSz="914400" rtl="0" eaLnBrk="1" latinLnBrk="0" hangingPunct="1">
-              <a:lnSpc>
-                <a:spcPct val="90000"/>
-              </a:lnSpc>
-              <a:spcBef>
-                <a:spcPts val="1000"/>
-              </a:spcBef>
-              <a:buFont typeface="Arial" panose="020B0604020202020204" pitchFamily="34" charset="0"/>
-              <a:buChar char="•"/>
-              <a:defRPr sz="2800" kern="1200">
-                <a:solidFill>
-                  <a:schemeClr val="tx1"/>
-                </a:solidFill>
-                <a:latin typeface="+mn-lt"/>
-                <a:ea typeface="+mn-ea"/>
-                <a:cs typeface="+mn-cs"/>
-              </a:defRPr>
-            </a:lvl1pPr>
-            <a:lvl2pPr marL="685800" indent="-228600" algn="l" defTabSz="914400" rtl="0" eaLnBrk="1" latinLnBrk="0" hangingPunct="1">
-              <a:lnSpc>
-                <a:spcPct val="90000"/>
-              </a:lnSpc>
-              <a:spcBef>
-                <a:spcPts val="500"/>
-              </a:spcBef>
-              <a:buFont typeface="Arial" panose="020B0604020202020204" pitchFamily="34" charset="0"/>
-              <a:buChar char="•"/>
-              <a:defRPr sz="2400" kern="1200">
-                <a:solidFill>
-                  <a:schemeClr val="tx1"/>
-                </a:solidFill>
-                <a:latin typeface="+mn-lt"/>
-                <a:ea typeface="+mn-ea"/>
-                <a:cs typeface="+mn-cs"/>
-              </a:defRPr>
-            </a:lvl2pPr>
-            <a:lvl3pPr marL="1143000" indent="-228600" algn="l" defTabSz="914400" rtl="0" eaLnBrk="1" latinLnBrk="0" hangingPunct="1">
-              <a:lnSpc>
-                <a:spcPct val="90000"/>
-              </a:lnSpc>
-              <a:spcBef>
-                <a:spcPts val="500"/>
-              </a:spcBef>
-              <a:buFont typeface="Arial" panose="020B0604020202020204" pitchFamily="34" charset="0"/>
-              <a:buChar char="•"/>
-              <a:defRPr sz="2000" kern="1200">
-                <a:solidFill>
-                  <a:schemeClr val="tx1"/>
-                </a:solidFill>
-                <a:latin typeface="+mn-lt"/>
-                <a:ea typeface="+mn-ea"/>
-                <a:cs typeface="+mn-cs"/>
-              </a:defRPr>
-            </a:lvl3pPr>
-            <a:lvl4pPr marL="1600200" indent="-228600" algn="l" defTabSz="914400" rtl="0" eaLnBrk="1" latinLnBrk="0" hangingPunct="1">
-              <a:lnSpc>
-                <a:spcPct val="90000"/>
-              </a:lnSpc>
-              <a:spcBef>
-                <a:spcPts val="500"/>
-              </a:spcBef>
-              <a:buFont typeface="Arial" panose="020B0604020202020204" pitchFamily="34" charset="0"/>
-              <a:buChar char="•"/>
-              <a:defRPr sz="1800" kern="1200">
-                <a:solidFill>
-                  <a:schemeClr val="tx1"/>
-                </a:solidFill>
-                <a:latin typeface="+mn-lt"/>
-                <a:ea typeface="+mn-ea"/>
-                <a:cs typeface="+mn-cs"/>
-              </a:defRPr>
-            </a:lvl4pPr>
-            <a:lvl5pPr marL="2057400" indent="-228600" algn="l" defTabSz="914400" rtl="0" eaLnBrk="1" latinLnBrk="0" hangingPunct="1">
-              <a:lnSpc>
-                <a:spcPct val="90000"/>
-              </a:lnSpc>
-              <a:spcBef>
-                <a:spcPts val="500"/>
-              </a:spcBef>
-              <a:buFont typeface="Arial" panose="020B0604020202020204" pitchFamily="34" charset="0"/>
-              <a:buChar char="•"/>
-              <a:defRPr sz="1800" kern="1200">
-                <a:solidFill>
-                  <a:schemeClr val="tx1"/>
-                </a:solidFill>
-                <a:latin typeface="+mn-lt"/>
-                <a:ea typeface="+mn-ea"/>
-                <a:cs typeface="+mn-cs"/>
-              </a:defRPr>
-            </a:lvl5pPr>
-            <a:lvl6pPr marL="2514600" indent="-228600" algn="l" defTabSz="914400" rtl="0" eaLnBrk="1" latinLnBrk="0" hangingPunct="1">
-              <a:lnSpc>
-                <a:spcPct val="90000"/>
-              </a:lnSpc>
-              <a:spcBef>
-                <a:spcPts val="500"/>
-              </a:spcBef>
-              <a:buFont typeface="Arial" panose="020B0604020202020204" pitchFamily="34" charset="0"/>
-              <a:buChar char="•"/>
-              <a:defRPr sz="1800" kern="1200">
-                <a:solidFill>
-                  <a:schemeClr val="tx1"/>
-                </a:solidFill>
-                <a:latin typeface="+mn-lt"/>
-                <a:ea typeface="+mn-ea"/>
-                <a:cs typeface="+mn-cs"/>
-              </a:defRPr>
-            </a:lvl6pPr>
-            <a:lvl7pPr marL="2971800" indent="-228600" algn="l" defTabSz="914400" rtl="0" eaLnBrk="1" latinLnBrk="0" hangingPunct="1">
-              <a:lnSpc>
-                <a:spcPct val="90000"/>
-              </a:lnSpc>
-              <a:spcBef>
-                <a:spcPts val="500"/>
-              </a:spcBef>
-              <a:buFont typeface="Arial" panose="020B0604020202020204" pitchFamily="34" charset="0"/>
-              <a:buChar char="•"/>
-              <a:defRPr sz="1800" kern="1200">
-                <a:solidFill>
-                  <a:schemeClr val="tx1"/>
-                </a:solidFill>
-                <a:latin typeface="+mn-lt"/>
-                <a:ea typeface="+mn-ea"/>
-                <a:cs typeface="+mn-cs"/>
-              </a:defRPr>
-            </a:lvl7pPr>
-            <a:lvl8pPr marL="3429000" indent="-228600" algn="l" defTabSz="914400" rtl="0" eaLnBrk="1" latinLnBrk="0" hangingPunct="1">
-              <a:lnSpc>
-                <a:spcPct val="90000"/>
-              </a:lnSpc>
-              <a:spcBef>
-                <a:spcPts val="500"/>
-              </a:spcBef>
-              <a:buFont typeface="Arial" panose="020B0604020202020204" pitchFamily="34" charset="0"/>
-              <a:buChar char="•"/>
-              <a:defRPr sz="1800" kern="1200">
-                <a:solidFill>
-                  <a:schemeClr val="tx1"/>
-                </a:solidFill>
-                <a:latin typeface="+mn-lt"/>
-                <a:ea typeface="+mn-ea"/>
-                <a:cs typeface="+mn-cs"/>
-              </a:defRPr>
-            </a:lvl8pPr>
-            <a:lvl9pPr marL="3886200" indent="-228600" algn="l" defTabSz="914400" rtl="0" eaLnBrk="1" latinLnBrk="0" hangingPunct="1">
-              <a:lnSpc>
-                <a:spcPct val="90000"/>
-              </a:lnSpc>
-              <a:spcBef>
-                <a:spcPts val="500"/>
-              </a:spcBef>
-              <a:buFont typeface="Arial" panose="020B0604020202020204" pitchFamily="34" charset="0"/>
-              <a:buChar char="•"/>
-              <a:defRPr sz="1800" kern="1200">
-                <a:solidFill>
-                  <a:schemeClr val="tx1"/>
-                </a:solidFill>
-                <a:latin typeface="+mn-lt"/>
-                <a:ea typeface="+mn-ea"/>
-                <a:cs typeface="+mn-cs"/>
-              </a:defRPr>
-            </a:lvl9pPr>
-          </a:lstStyle>
-          <a:p>
-            <a:r>
-              <a:rPr lang="fr-FR" dirty="0" smtClean="0"/>
-              <a:t>l'expérience et les compétences de l'équipe </a:t>
-            </a:r>
-            <a:endParaRPr lang="fr-FR" dirty="0"/>
-          </a:p>
-        </p:txBody>
-      </p:sp>
-      <p:sp>
-        <p:nvSpPr>
-          <p:cNvPr id="7" name="Rounded Rectangle 6"/>
-          <p:cNvSpPr/>
-          <p:nvPr/>
-        </p:nvSpPr>
-        <p:spPr>
-          <a:xfrm>
-            <a:off x="263237" y="3777231"/>
+            <a:off x="6234546" y="1690688"/>
             <a:ext cx="1801090" cy="734291"/>
           </a:xfrm>
           <a:prstGeom prst="roundRect">
@@ -3440,7 +3364,7 @@
             <a:pPr algn="ctr"/>
             <a:r>
               <a:rPr lang="fr-FR" dirty="0" smtClean="0"/>
-              <a:t>compétences</a:t>
+              <a:t>Communauté</a:t>
             </a:r>
             <a:endParaRPr lang="fr-FR" dirty="0"/>
           </a:p>
@@ -3448,13 +3372,13 @@
       </p:sp>
       <p:sp>
         <p:nvSpPr>
-          <p:cNvPr id="8" name="Rounded Rectangle 7"/>
+          <p:cNvPr id="11" name="Rounded Rectangle 10"/>
           <p:cNvSpPr/>
           <p:nvPr/>
         </p:nvSpPr>
         <p:spPr>
           <a:xfrm>
-            <a:off x="1413164" y="4793092"/>
+            <a:off x="9199419" y="3941037"/>
             <a:ext cx="1801090" cy="734291"/>
           </a:xfrm>
           <a:prstGeom prst="roundRect">
@@ -3484,7 +3408,7 @@
             <a:pPr algn="ctr"/>
             <a:r>
               <a:rPr lang="fr-FR" dirty="0" smtClean="0"/>
-              <a:t>Les Fonctionnalités de l’application</a:t>
+              <a:t>Maintenabilité</a:t>
             </a:r>
             <a:endParaRPr lang="fr-FR" dirty="0"/>
           </a:p>
@@ -3492,13 +3416,13 @@
       </p:sp>
       <p:sp>
         <p:nvSpPr>
-          <p:cNvPr id="9" name="Rounded Rectangle 8"/>
+          <p:cNvPr id="12" name="Rounded Rectangle 11"/>
           <p:cNvSpPr/>
           <p:nvPr/>
         </p:nvSpPr>
         <p:spPr>
           <a:xfrm>
-            <a:off x="8035636" y="5776764"/>
+            <a:off x="9047019" y="2632290"/>
             <a:ext cx="1801090" cy="734291"/>
           </a:xfrm>
           <a:prstGeom prst="roundRect">
@@ -3527,138 +3451,6 @@
           <a:p>
             <a:pPr algn="ctr"/>
             <a:r>
-              <a:rPr lang="fr-FR" dirty="0" smtClean="0"/>
-              <a:t>Performances</a:t>
-            </a:r>
-            <a:endParaRPr lang="fr-FR" dirty="0"/>
-          </a:p>
-        </p:txBody>
-      </p:sp>
-      <p:sp>
-        <p:nvSpPr>
-          <p:cNvPr id="10" name="Rounded Rectangle 9"/>
-          <p:cNvSpPr/>
-          <p:nvPr/>
-        </p:nvSpPr>
-        <p:spPr>
-          <a:xfrm>
-            <a:off x="5195455" y="4675327"/>
-            <a:ext cx="1801090" cy="734291"/>
-          </a:xfrm>
-          <a:prstGeom prst="roundRect">
-            <a:avLst/>
-          </a:prstGeom>
-        </p:spPr>
-        <p:style>
-          <a:lnRef idx="2">
-            <a:schemeClr val="accent1">
-              <a:shade val="50000"/>
-            </a:schemeClr>
-          </a:lnRef>
-          <a:fillRef idx="1">
-            <a:schemeClr val="accent1"/>
-          </a:fillRef>
-          <a:effectRef idx="0">
-            <a:schemeClr val="accent1"/>
-          </a:effectRef>
-          <a:fontRef idx="minor">
-            <a:schemeClr val="lt1"/>
-          </a:fontRef>
-        </p:style>
-        <p:txBody>
-          <a:bodyPr rtlCol="0" anchor="ctr"/>
-          <a:lstStyle/>
-          <a:p>
-            <a:pPr algn="ctr"/>
-            <a:r>
-              <a:rPr lang="fr-FR" dirty="0" smtClean="0"/>
-              <a:t>Communauté</a:t>
-            </a:r>
-            <a:endParaRPr lang="fr-FR" dirty="0"/>
-          </a:p>
-        </p:txBody>
-      </p:sp>
-      <p:sp>
-        <p:nvSpPr>
-          <p:cNvPr id="11" name="Rounded Rectangle 10"/>
-          <p:cNvSpPr/>
-          <p:nvPr/>
-        </p:nvSpPr>
-        <p:spPr>
-          <a:xfrm>
-            <a:off x="10127673" y="5042473"/>
-            <a:ext cx="1801090" cy="734291"/>
-          </a:xfrm>
-          <a:prstGeom prst="roundRect">
-            <a:avLst/>
-          </a:prstGeom>
-        </p:spPr>
-        <p:style>
-          <a:lnRef idx="2">
-            <a:schemeClr val="accent1">
-              <a:shade val="50000"/>
-            </a:schemeClr>
-          </a:lnRef>
-          <a:fillRef idx="1">
-            <a:schemeClr val="accent1"/>
-          </a:fillRef>
-          <a:effectRef idx="0">
-            <a:schemeClr val="accent1"/>
-          </a:effectRef>
-          <a:fontRef idx="minor">
-            <a:schemeClr val="lt1"/>
-          </a:fontRef>
-        </p:style>
-        <p:txBody>
-          <a:bodyPr rtlCol="0" anchor="ctr"/>
-          <a:lstStyle/>
-          <a:p>
-            <a:pPr algn="ctr"/>
-            <a:r>
-              <a:rPr lang="fr-FR" dirty="0" smtClean="0"/>
-              <a:t>Maintenabilité</a:t>
-            </a:r>
-            <a:endParaRPr lang="fr-FR" dirty="0"/>
-          </a:p>
-        </p:txBody>
-      </p:sp>
-      <p:sp>
-        <p:nvSpPr>
-          <p:cNvPr id="12" name="Rounded Rectangle 11"/>
-          <p:cNvSpPr/>
-          <p:nvPr/>
-        </p:nvSpPr>
-        <p:spPr>
-          <a:xfrm>
-            <a:off x="10127673" y="4058801"/>
-            <a:ext cx="1801090" cy="734291"/>
-          </a:xfrm>
-          <a:prstGeom prst="roundRect">
-            <a:avLst/>
-          </a:prstGeom>
-        </p:spPr>
-        <p:style>
-          <a:lnRef idx="2">
-            <a:schemeClr val="accent1">
-              <a:shade val="50000"/>
-            </a:schemeClr>
-          </a:lnRef>
-          <a:fillRef idx="1">
-            <a:schemeClr val="accent1"/>
-          </a:fillRef>
-          <a:effectRef idx="0">
-            <a:schemeClr val="accent1"/>
-          </a:effectRef>
-          <a:fontRef idx="minor">
-            <a:schemeClr val="lt1"/>
-          </a:fontRef>
-        </p:style>
-        <p:txBody>
-          <a:bodyPr rtlCol="0" anchor="ctr"/>
-          <a:lstStyle/>
-          <a:p>
-            <a:pPr algn="ctr"/>
-            <a:r>
               <a:rPr lang="fr-FR" dirty="0"/>
               <a:t>Maturité du langage</a:t>
             </a:r>
@@ -3675,6 +3467,1700 @@
   <p:clrMapOvr>
     <a:masterClrMapping/>
   </p:clrMapOvr>
+  <p:timing>
+    <p:tnLst>
+      <p:par>
+        <p:cTn id="1" dur="indefinite" restart="never" nodeType="tmRoot"/>
+      </p:par>
+    </p:tnLst>
+  </p:timing>
+</p:sld>
+</file>
+
+<file path=ppt/slides/slide3.xml><?xml version="1.0" encoding="utf-8"?>
+<p:sld xmlns:a="http://schemas.openxmlformats.org/drawingml/2006/main" xmlns:r="http://schemas.openxmlformats.org/officeDocument/2006/relationships" xmlns:p="http://schemas.openxmlformats.org/presentationml/2006/main">
+  <p:cSld>
+    <p:spTree>
+      <p:nvGrpSpPr>
+        <p:cNvPr id="1" name=""/>
+        <p:cNvGrpSpPr/>
+        <p:nvPr/>
+      </p:nvGrpSpPr>
+      <p:grpSpPr>
+        <a:xfrm>
+          <a:off x="0" y="0"/>
+          <a:ext cx="0" cy="0"/>
+          <a:chOff x="0" y="0"/>
+          <a:chExt cx="0" cy="0"/>
+        </a:xfrm>
+      </p:grpSpPr>
+      <p:sp>
+        <p:nvSpPr>
+          <p:cNvPr id="2" name="Title 1"/>
+          <p:cNvSpPr>
+            <a:spLocks noGrp="1"/>
+          </p:cNvSpPr>
+          <p:nvPr>
+            <p:ph type="title"/>
+          </p:nvPr>
+        </p:nvSpPr>
+        <p:spPr/>
+        <p:txBody>
+          <a:bodyPr/>
+          <a:lstStyle/>
+          <a:p>
+            <a:r>
+              <a:rPr lang="fr-FR" dirty="0" err="1"/>
+              <a:t>Frontend</a:t>
+            </a:r>
+            <a:endParaRPr lang="fr-FR" dirty="0"/>
+          </a:p>
+        </p:txBody>
+      </p:sp>
+      <p:sp>
+        <p:nvSpPr>
+          <p:cNvPr id="3" name="Content Placeholder 2"/>
+          <p:cNvSpPr>
+            <a:spLocks noGrp="1"/>
+          </p:cNvSpPr>
+          <p:nvPr>
+            <p:ph idx="1"/>
+          </p:nvPr>
+        </p:nvSpPr>
+        <p:spPr/>
+        <p:txBody>
+          <a:bodyPr/>
+          <a:lstStyle/>
+          <a:p>
+            <a:r>
+              <a:rPr lang="fr-FR" sz="2000" dirty="0" smtClean="0"/>
+              <a:t>jQuery</a:t>
+            </a:r>
+          </a:p>
+          <a:p>
+            <a:r>
+              <a:rPr lang="fr-FR" sz="2000" dirty="0" smtClean="0"/>
+              <a:t>Backbone.js</a:t>
+            </a:r>
+          </a:p>
+          <a:p>
+            <a:r>
+              <a:rPr lang="fr-FR" b="1" dirty="0" err="1" smtClean="0"/>
+              <a:t>Angular</a:t>
+            </a:r>
+            <a:endParaRPr lang="fr-FR" b="1" dirty="0" smtClean="0"/>
+          </a:p>
+          <a:p>
+            <a:r>
+              <a:rPr lang="fr-FR" b="1" dirty="0" err="1" smtClean="0"/>
+              <a:t>React</a:t>
+            </a:r>
+            <a:endParaRPr lang="fr-FR" b="1" dirty="0" smtClean="0"/>
+          </a:p>
+          <a:p>
+            <a:r>
+              <a:rPr lang="fr-FR" sz="2000" dirty="0" smtClean="0"/>
+              <a:t>Ember.js</a:t>
+            </a:r>
+          </a:p>
+          <a:p>
+            <a:r>
+              <a:rPr lang="fr-FR" sz="2400" b="1" dirty="0"/>
+              <a:t>Vue.js</a:t>
+            </a:r>
+          </a:p>
+          <a:p>
+            <a:r>
+              <a:rPr lang="fr-FR" dirty="0"/>
+              <a:t/>
+            </a:r>
+            <a:br>
+              <a:rPr lang="fr-FR" dirty="0"/>
+            </a:br>
+            <a:endParaRPr lang="fr-FR" dirty="0"/>
+          </a:p>
+        </p:txBody>
+      </p:sp>
+    </p:spTree>
+    <p:extLst>
+      <p:ext uri="{BB962C8B-B14F-4D97-AF65-F5344CB8AC3E}">
+        <p14:creationId xmlns:p14="http://schemas.microsoft.com/office/powerpoint/2010/main" val="3215635017"/>
+      </p:ext>
+    </p:extLst>
+  </p:cSld>
+  <p:clrMapOvr>
+    <a:masterClrMapping/>
+  </p:clrMapOvr>
+  <p:timing>
+    <p:tnLst>
+      <p:par>
+        <p:cTn id="1" dur="indefinite" restart="never" nodeType="tmRoot"/>
+      </p:par>
+    </p:tnLst>
+  </p:timing>
+</p:sld>
+</file>
+
+<file path=ppt/slides/slide4.xml><?xml version="1.0" encoding="utf-8"?>
+<p:sld xmlns:a="http://schemas.openxmlformats.org/drawingml/2006/main" xmlns:r="http://schemas.openxmlformats.org/officeDocument/2006/relationships" xmlns:p="http://schemas.openxmlformats.org/presentationml/2006/main">
+  <p:cSld>
+    <p:spTree>
+      <p:nvGrpSpPr>
+        <p:cNvPr id="1" name=""/>
+        <p:cNvGrpSpPr/>
+        <p:nvPr/>
+      </p:nvGrpSpPr>
+      <p:grpSpPr>
+        <a:xfrm>
+          <a:off x="0" y="0"/>
+          <a:ext cx="0" cy="0"/>
+          <a:chOff x="0" y="0"/>
+          <a:chExt cx="0" cy="0"/>
+        </a:xfrm>
+      </p:grpSpPr>
+      <p:sp>
+        <p:nvSpPr>
+          <p:cNvPr id="2" name="Title 1"/>
+          <p:cNvSpPr>
+            <a:spLocks noGrp="1"/>
+          </p:cNvSpPr>
+          <p:nvPr>
+            <p:ph type="title"/>
+          </p:nvPr>
+        </p:nvSpPr>
+        <p:spPr/>
+        <p:txBody>
+          <a:bodyPr>
+            <a:normAutofit/>
+          </a:bodyPr>
+          <a:lstStyle/>
+          <a:p>
+            <a:r>
+              <a:rPr lang="fr-FR" dirty="0"/>
+              <a:t>Programmation </a:t>
+            </a:r>
+            <a:r>
+              <a:rPr lang="fr-FR" dirty="0" err="1" smtClean="0"/>
+              <a:t>backend</a:t>
+            </a:r>
+            <a:endParaRPr lang="fr-FR" dirty="0"/>
+          </a:p>
+        </p:txBody>
+      </p:sp>
+      <p:sp>
+        <p:nvSpPr>
+          <p:cNvPr id="3" name="Content Placeholder 2"/>
+          <p:cNvSpPr>
+            <a:spLocks noGrp="1"/>
+          </p:cNvSpPr>
+          <p:nvPr>
+            <p:ph idx="1"/>
+          </p:nvPr>
+        </p:nvSpPr>
+        <p:spPr/>
+        <p:txBody>
+          <a:bodyPr/>
+          <a:lstStyle/>
+          <a:p>
+            <a:r>
+              <a:rPr lang="fr-FR" dirty="0"/>
+              <a:t>Ruby (Ruby on Rails)</a:t>
+            </a:r>
+            <a:endParaRPr lang="fr-FR" dirty="0" smtClean="0"/>
+          </a:p>
+          <a:p>
+            <a:r>
+              <a:rPr lang="fr-FR" dirty="0" smtClean="0"/>
+              <a:t>Python </a:t>
+            </a:r>
+            <a:r>
+              <a:rPr lang="fr-FR" dirty="0"/>
+              <a:t>(Django, </a:t>
+            </a:r>
+            <a:r>
+              <a:rPr lang="fr-FR" dirty="0" err="1"/>
+              <a:t>Flask</a:t>
+            </a:r>
+            <a:r>
+              <a:rPr lang="fr-FR" dirty="0"/>
+              <a:t>, Pylônes)</a:t>
+            </a:r>
+            <a:endParaRPr lang="fr-FR" dirty="0" smtClean="0"/>
+          </a:p>
+          <a:p>
+            <a:r>
+              <a:rPr lang="fr-FR" dirty="0" smtClean="0"/>
+              <a:t>PHP </a:t>
+            </a:r>
+            <a:r>
+              <a:rPr lang="fr-FR" dirty="0"/>
+              <a:t>(</a:t>
+            </a:r>
+            <a:r>
+              <a:rPr lang="fr-FR" dirty="0" err="1"/>
+              <a:t>Laravel</a:t>
+            </a:r>
+            <a:r>
+              <a:rPr lang="fr-FR" dirty="0"/>
+              <a:t>, </a:t>
+            </a:r>
+            <a:r>
+              <a:rPr lang="fr-FR" dirty="0" err="1"/>
+              <a:t>CodeIgniter</a:t>
+            </a:r>
+            <a:r>
+              <a:rPr lang="fr-FR" dirty="0"/>
+              <a:t>, </a:t>
+            </a:r>
+            <a:r>
+              <a:rPr lang="fr-FR" dirty="0" err="1"/>
+              <a:t>Symfony</a:t>
+            </a:r>
+            <a:r>
+              <a:rPr lang="fr-FR" dirty="0"/>
+              <a:t>, </a:t>
+            </a:r>
+            <a:r>
+              <a:rPr lang="fr-FR" dirty="0" err="1"/>
+              <a:t>Yii</a:t>
+            </a:r>
+            <a:r>
+              <a:rPr lang="fr-FR" dirty="0"/>
+              <a:t>, Zend, </a:t>
+            </a:r>
+            <a:r>
+              <a:rPr lang="fr-FR" dirty="0" err="1"/>
+              <a:t>Phalcon</a:t>
+            </a:r>
+            <a:r>
+              <a:rPr lang="fr-FR" dirty="0"/>
+              <a:t>, </a:t>
+            </a:r>
+            <a:r>
+              <a:rPr lang="fr-FR" dirty="0" err="1"/>
+              <a:t>CakePHP</a:t>
+            </a:r>
+            <a:r>
+              <a:rPr lang="fr-FR" dirty="0"/>
+              <a:t>, </a:t>
+            </a:r>
+            <a:r>
+              <a:rPr lang="fr-FR" dirty="0" err="1"/>
+              <a:t>FuelPHP</a:t>
+            </a:r>
+            <a:r>
+              <a:rPr lang="fr-FR" dirty="0" smtClean="0"/>
+              <a:t>)</a:t>
+            </a:r>
+          </a:p>
+          <a:p>
+            <a:r>
+              <a:rPr lang="fr-FR" dirty="0"/>
+              <a:t>Node.js (</a:t>
+            </a:r>
+            <a:r>
+              <a:rPr lang="fr-FR" dirty="0" smtClean="0"/>
+              <a:t>Express.JS</a:t>
+            </a:r>
+            <a:r>
+              <a:rPr lang="fr-FR" dirty="0"/>
+              <a:t>, Koa.JS, Nest.JS, Loopback.io</a:t>
+            </a:r>
+            <a:r>
+              <a:rPr lang="fr-FR" dirty="0" smtClean="0"/>
+              <a:t>)</a:t>
+            </a:r>
+          </a:p>
+          <a:p>
+            <a:r>
+              <a:rPr lang="fr-FR" dirty="0" smtClean="0"/>
+              <a:t>.Net</a:t>
+            </a:r>
+          </a:p>
+          <a:p>
+            <a:r>
+              <a:rPr lang="fr-FR" dirty="0" smtClean="0"/>
+              <a:t>Java EE</a:t>
+            </a:r>
+            <a:endParaRPr lang="fr-FR" dirty="0"/>
+          </a:p>
+        </p:txBody>
+      </p:sp>
+    </p:spTree>
+    <p:extLst>
+      <p:ext uri="{BB962C8B-B14F-4D97-AF65-F5344CB8AC3E}">
+        <p14:creationId xmlns:p14="http://schemas.microsoft.com/office/powerpoint/2010/main" val="2291442633"/>
+      </p:ext>
+    </p:extLst>
+  </p:cSld>
+  <p:clrMapOvr>
+    <a:masterClrMapping/>
+  </p:clrMapOvr>
+  <p:timing>
+    <p:tnLst>
+      <p:par>
+        <p:cTn id="1" dur="indefinite" restart="never" nodeType="tmRoot"/>
+      </p:par>
+    </p:tnLst>
+  </p:timing>
+</p:sld>
+</file>
+
+<file path=ppt/slides/slide5.xml><?xml version="1.0" encoding="utf-8"?>
+<p:sld xmlns:a="http://schemas.openxmlformats.org/drawingml/2006/main" xmlns:r="http://schemas.openxmlformats.org/officeDocument/2006/relationships" xmlns:p="http://schemas.openxmlformats.org/presentationml/2006/main">
+  <p:cSld>
+    <p:spTree>
+      <p:nvGrpSpPr>
+        <p:cNvPr id="1" name=""/>
+        <p:cNvGrpSpPr/>
+        <p:nvPr/>
+      </p:nvGrpSpPr>
+      <p:grpSpPr>
+        <a:xfrm>
+          <a:off x="0" y="0"/>
+          <a:ext cx="0" cy="0"/>
+          <a:chOff x="0" y="0"/>
+          <a:chExt cx="0" cy="0"/>
+        </a:xfrm>
+      </p:grpSpPr>
+      <p:sp>
+        <p:nvSpPr>
+          <p:cNvPr id="2" name="Title 1"/>
+          <p:cNvSpPr>
+            <a:spLocks noGrp="1"/>
+          </p:cNvSpPr>
+          <p:nvPr>
+            <p:ph type="title"/>
+          </p:nvPr>
+        </p:nvSpPr>
+        <p:spPr/>
+        <p:txBody>
+          <a:bodyPr/>
+          <a:lstStyle/>
+          <a:p>
+            <a:r>
+              <a:rPr lang="fr-FR" dirty="0" smtClean="0"/>
+              <a:t>Benchmark entre les technologies</a:t>
+            </a:r>
+            <a:endParaRPr lang="fr-FR" dirty="0"/>
+          </a:p>
+        </p:txBody>
+      </p:sp>
+      <p:graphicFrame>
+        <p:nvGraphicFramePr>
+          <p:cNvPr id="5" name="Table 4"/>
+          <p:cNvGraphicFramePr>
+            <a:graphicFrameLocks noGrp="1"/>
+          </p:cNvGraphicFramePr>
+          <p:nvPr>
+            <p:custDataLst>
+              <p:custData r:id="rId1"/>
+            </p:custDataLst>
+            <p:extLst>
+              <p:ext uri="{D42A27DB-BD31-4B8C-83A1-F6EECF244321}">
+                <p14:modId xmlns:p14="http://schemas.microsoft.com/office/powerpoint/2010/main" val="3949703204"/>
+              </p:ext>
+            </p:extLst>
+          </p:nvPr>
+        </p:nvGraphicFramePr>
+        <p:xfrm>
+          <a:off x="838200" y="1592502"/>
+          <a:ext cx="9228836" cy="4351096"/>
+        </p:xfrm>
+        <a:graphic>
+          <a:graphicData uri="http://schemas.openxmlformats.org/drawingml/2006/table">
+            <a:tbl>
+              <a:tblPr firstRow="1" bandRow="1">
+                <a:tableStyleId>{5C22544A-7EE6-4342-B048-85BDC9FD1C3A}</a:tableStyleId>
+              </a:tblPr>
+              <a:tblGrid>
+                <a:gridCol w="2116836">
+                  <a:extLst>
+                    <a:ext uri="{9D8B030D-6E8A-4147-A177-3AD203B41FA5}">
+                      <a16:colId xmlns:a16="http://schemas.microsoft.com/office/drawing/2014/main" val="2655972946"/>
+                    </a:ext>
+                  </a:extLst>
+                </a:gridCol>
+                <a:gridCol w="1016000">
+                  <a:extLst>
+                    <a:ext uri="{9D8B030D-6E8A-4147-A177-3AD203B41FA5}">
+                      <a16:colId xmlns:a16="http://schemas.microsoft.com/office/drawing/2014/main" val="900621975"/>
+                    </a:ext>
+                  </a:extLst>
+                </a:gridCol>
+                <a:gridCol w="1016000">
+                  <a:extLst>
+                    <a:ext uri="{9D8B030D-6E8A-4147-A177-3AD203B41FA5}">
+                      <a16:colId xmlns:a16="http://schemas.microsoft.com/office/drawing/2014/main" val="1374128464"/>
+                    </a:ext>
+                  </a:extLst>
+                </a:gridCol>
+                <a:gridCol w="1016000">
+                  <a:extLst>
+                    <a:ext uri="{9D8B030D-6E8A-4147-A177-3AD203B41FA5}">
+                      <a16:colId xmlns:a16="http://schemas.microsoft.com/office/drawing/2014/main" val="3140222415"/>
+                    </a:ext>
+                  </a:extLst>
+                </a:gridCol>
+                <a:gridCol w="1016000">
+                  <a:extLst>
+                    <a:ext uri="{9D8B030D-6E8A-4147-A177-3AD203B41FA5}">
+                      <a16:colId xmlns:a16="http://schemas.microsoft.com/office/drawing/2014/main" val="3263647864"/>
+                    </a:ext>
+                  </a:extLst>
+                </a:gridCol>
+                <a:gridCol w="1016000">
+                  <a:extLst>
+                    <a:ext uri="{9D8B030D-6E8A-4147-A177-3AD203B41FA5}">
+                      <a16:colId xmlns:a16="http://schemas.microsoft.com/office/drawing/2014/main" val="1719130976"/>
+                    </a:ext>
+                  </a:extLst>
+                </a:gridCol>
+                <a:gridCol w="1016000">
+                  <a:extLst>
+                    <a:ext uri="{9D8B030D-6E8A-4147-A177-3AD203B41FA5}">
+                      <a16:colId xmlns:a16="http://schemas.microsoft.com/office/drawing/2014/main" val="3254962140"/>
+                    </a:ext>
+                  </a:extLst>
+                </a:gridCol>
+                <a:gridCol w="1016000">
+                  <a:extLst>
+                    <a:ext uri="{9D8B030D-6E8A-4147-A177-3AD203B41FA5}">
+                      <a16:colId xmlns:a16="http://schemas.microsoft.com/office/drawing/2014/main" val="2338911086"/>
+                    </a:ext>
+                  </a:extLst>
+                </a:gridCol>
+              </a:tblGrid>
+              <a:tr h="395554">
+                <a:tc>
+                  <a:txBody>
+                    <a:bodyPr/>
+                    <a:lstStyle/>
+                    <a:p>
+                      <a:endParaRPr lang="fr-FR" dirty="0"/>
+                    </a:p>
+                  </a:txBody>
+                  <a:tcPr/>
+                </a:tc>
+                <a:tc>
+                  <a:txBody>
+                    <a:bodyPr/>
+                    <a:lstStyle/>
+                    <a:p>
+                      <a:r>
+                        <a:rPr lang="fr-FR" dirty="0" smtClean="0"/>
+                        <a:t>Java EE</a:t>
+                      </a:r>
+                      <a:endParaRPr lang="fr-FR" dirty="0"/>
+                    </a:p>
+                  </a:txBody>
+                  <a:tcPr/>
+                </a:tc>
+                <a:tc>
+                  <a:txBody>
+                    <a:bodyPr/>
+                    <a:lstStyle/>
+                    <a:p>
+                      <a:r>
+                        <a:rPr lang="fr-FR" dirty="0" smtClean="0"/>
+                        <a:t>.Net</a:t>
+                      </a:r>
+                      <a:endParaRPr lang="fr-FR" dirty="0"/>
+                    </a:p>
+                  </a:txBody>
+                  <a:tcPr/>
+                </a:tc>
+                <a:tc>
+                  <a:txBody>
+                    <a:bodyPr/>
+                    <a:lstStyle/>
+                    <a:p>
+                      <a:r>
+                        <a:rPr lang="fr-FR" dirty="0" err="1" smtClean="0"/>
+                        <a:t>Node</a:t>
+                      </a:r>
+                      <a:r>
+                        <a:rPr lang="fr-FR" dirty="0" smtClean="0"/>
+                        <a:t> JS</a:t>
+                      </a:r>
+                      <a:endParaRPr lang="fr-FR" dirty="0"/>
+                    </a:p>
+                  </a:txBody>
+                  <a:tcPr/>
+                </a:tc>
+                <a:tc>
+                  <a:txBody>
+                    <a:bodyPr/>
+                    <a:lstStyle/>
+                    <a:p>
+                      <a:r>
+                        <a:rPr lang="fr-FR" dirty="0" smtClean="0"/>
+                        <a:t>PHP</a:t>
+                      </a:r>
+                      <a:endParaRPr lang="fr-FR" dirty="0"/>
+                    </a:p>
+                  </a:txBody>
+                  <a:tcPr/>
+                </a:tc>
+                <a:tc>
+                  <a:txBody>
+                    <a:bodyPr/>
+                    <a:lstStyle/>
+                    <a:p>
+                      <a:r>
+                        <a:rPr lang="fr-FR" dirty="0" smtClean="0"/>
+                        <a:t>Ruby</a:t>
+                      </a:r>
+                      <a:endParaRPr lang="fr-FR" dirty="0"/>
+                    </a:p>
+                  </a:txBody>
+                  <a:tcPr/>
+                </a:tc>
+                <a:tc>
+                  <a:txBody>
+                    <a:bodyPr/>
+                    <a:lstStyle/>
+                    <a:p>
+                      <a:endParaRPr lang="fr-FR" dirty="0"/>
+                    </a:p>
+                  </a:txBody>
+                  <a:tcPr/>
+                </a:tc>
+                <a:tc>
+                  <a:txBody>
+                    <a:bodyPr/>
+                    <a:lstStyle/>
+                    <a:p>
+                      <a:endParaRPr lang="fr-FR"/>
+                    </a:p>
+                  </a:txBody>
+                  <a:tcPr/>
+                </a:tc>
+                <a:extLst>
+                  <a:ext uri="{0D108BD9-81ED-4DB2-BD59-A6C34878D82A}">
+                    <a16:rowId xmlns:a16="http://schemas.microsoft.com/office/drawing/2014/main" val="4269654307"/>
+                  </a:ext>
+                </a:extLst>
+              </a:tr>
+              <a:tr h="395554">
+                <a:tc>
+                  <a:txBody>
+                    <a:bodyPr/>
+                    <a:lstStyle/>
+                    <a:p>
+                      <a:r>
+                        <a:rPr lang="fr-FR" dirty="0" smtClean="0"/>
+                        <a:t>coûts</a:t>
+                      </a:r>
+                      <a:endParaRPr lang="fr-FR" dirty="0"/>
+                    </a:p>
+                  </a:txBody>
+                  <a:tcPr/>
+                </a:tc>
+                <a:tc>
+                  <a:txBody>
+                    <a:bodyPr/>
+                    <a:lstStyle/>
+                    <a:p>
+                      <a:endParaRPr lang="fr-FR" dirty="0"/>
+                    </a:p>
+                  </a:txBody>
+                  <a:tcPr/>
+                </a:tc>
+                <a:tc>
+                  <a:txBody>
+                    <a:bodyPr/>
+                    <a:lstStyle/>
+                    <a:p>
+                      <a:endParaRPr lang="fr-FR"/>
+                    </a:p>
+                  </a:txBody>
+                  <a:tcPr/>
+                </a:tc>
+                <a:tc>
+                  <a:txBody>
+                    <a:bodyPr/>
+                    <a:lstStyle/>
+                    <a:p>
+                      <a:endParaRPr lang="fr-FR"/>
+                    </a:p>
+                  </a:txBody>
+                  <a:tcPr/>
+                </a:tc>
+                <a:tc>
+                  <a:txBody>
+                    <a:bodyPr/>
+                    <a:lstStyle/>
+                    <a:p>
+                      <a:endParaRPr lang="fr-FR"/>
+                    </a:p>
+                  </a:txBody>
+                  <a:tcPr/>
+                </a:tc>
+                <a:tc>
+                  <a:txBody>
+                    <a:bodyPr/>
+                    <a:lstStyle/>
+                    <a:p>
+                      <a:endParaRPr lang="fr-FR"/>
+                    </a:p>
+                  </a:txBody>
+                  <a:tcPr/>
+                </a:tc>
+                <a:tc>
+                  <a:txBody>
+                    <a:bodyPr/>
+                    <a:lstStyle/>
+                    <a:p>
+                      <a:endParaRPr lang="fr-FR"/>
+                    </a:p>
+                  </a:txBody>
+                  <a:tcPr/>
+                </a:tc>
+                <a:tc>
+                  <a:txBody>
+                    <a:bodyPr/>
+                    <a:lstStyle/>
+                    <a:p>
+                      <a:endParaRPr lang="fr-FR"/>
+                    </a:p>
+                  </a:txBody>
+                  <a:tcPr/>
+                </a:tc>
+                <a:extLst>
+                  <a:ext uri="{0D108BD9-81ED-4DB2-BD59-A6C34878D82A}">
+                    <a16:rowId xmlns:a16="http://schemas.microsoft.com/office/drawing/2014/main" val="2495844011"/>
+                  </a:ext>
+                </a:extLst>
+              </a:tr>
+              <a:tr h="395554">
+                <a:tc>
+                  <a:txBody>
+                    <a:bodyPr/>
+                    <a:lstStyle/>
+                    <a:p>
+                      <a:r>
+                        <a:rPr lang="fr-FR" dirty="0" smtClean="0"/>
+                        <a:t>Communauté</a:t>
+                      </a:r>
+                      <a:endParaRPr lang="fr-FR" dirty="0"/>
+                    </a:p>
+                  </a:txBody>
+                  <a:tcPr/>
+                </a:tc>
+                <a:tc>
+                  <a:txBody>
+                    <a:bodyPr/>
+                    <a:lstStyle/>
+                    <a:p>
+                      <a:endParaRPr lang="fr-FR"/>
+                    </a:p>
+                  </a:txBody>
+                  <a:tcPr/>
+                </a:tc>
+                <a:tc>
+                  <a:txBody>
+                    <a:bodyPr/>
+                    <a:lstStyle/>
+                    <a:p>
+                      <a:endParaRPr lang="fr-FR"/>
+                    </a:p>
+                  </a:txBody>
+                  <a:tcPr/>
+                </a:tc>
+                <a:tc>
+                  <a:txBody>
+                    <a:bodyPr/>
+                    <a:lstStyle/>
+                    <a:p>
+                      <a:endParaRPr lang="fr-FR"/>
+                    </a:p>
+                  </a:txBody>
+                  <a:tcPr/>
+                </a:tc>
+                <a:tc>
+                  <a:txBody>
+                    <a:bodyPr/>
+                    <a:lstStyle/>
+                    <a:p>
+                      <a:endParaRPr lang="fr-FR"/>
+                    </a:p>
+                  </a:txBody>
+                  <a:tcPr/>
+                </a:tc>
+                <a:tc>
+                  <a:txBody>
+                    <a:bodyPr/>
+                    <a:lstStyle/>
+                    <a:p>
+                      <a:endParaRPr lang="fr-FR"/>
+                    </a:p>
+                  </a:txBody>
+                  <a:tcPr/>
+                </a:tc>
+                <a:tc>
+                  <a:txBody>
+                    <a:bodyPr/>
+                    <a:lstStyle/>
+                    <a:p>
+                      <a:endParaRPr lang="fr-FR"/>
+                    </a:p>
+                  </a:txBody>
+                  <a:tcPr/>
+                </a:tc>
+                <a:tc>
+                  <a:txBody>
+                    <a:bodyPr/>
+                    <a:lstStyle/>
+                    <a:p>
+                      <a:endParaRPr lang="fr-FR"/>
+                    </a:p>
+                  </a:txBody>
+                  <a:tcPr/>
+                </a:tc>
+                <a:extLst>
+                  <a:ext uri="{0D108BD9-81ED-4DB2-BD59-A6C34878D82A}">
+                    <a16:rowId xmlns:a16="http://schemas.microsoft.com/office/drawing/2014/main" val="2362945813"/>
+                  </a:ext>
+                </a:extLst>
+              </a:tr>
+              <a:tr h="692220">
+                <a:tc>
+                  <a:txBody>
+                    <a:bodyPr/>
+                    <a:lstStyle/>
+                    <a:p>
+                      <a:pPr marL="0" marR="0" lvl="0" indent="0" algn="l" defTabSz="914400" rtl="0" eaLnBrk="1" fontAlgn="auto" latinLnBrk="0" hangingPunct="1">
+                        <a:lnSpc>
+                          <a:spcPct val="100000"/>
+                        </a:lnSpc>
+                        <a:spcBef>
+                          <a:spcPts val="0"/>
+                        </a:spcBef>
+                        <a:spcAft>
+                          <a:spcPts val="0"/>
+                        </a:spcAft>
+                        <a:buClrTx/>
+                        <a:buSzTx/>
+                        <a:buFontTx/>
+                        <a:buNone/>
+                        <a:tabLst/>
+                        <a:defRPr/>
+                      </a:pPr>
+                      <a:r>
+                        <a:rPr lang="fr-FR" dirty="0" smtClean="0"/>
+                        <a:t>Maturité du langage</a:t>
+                      </a:r>
+                    </a:p>
+                    <a:p>
+                      <a:endParaRPr lang="fr-FR" dirty="0"/>
+                    </a:p>
+                  </a:txBody>
+                  <a:tcPr/>
+                </a:tc>
+                <a:tc>
+                  <a:txBody>
+                    <a:bodyPr/>
+                    <a:lstStyle/>
+                    <a:p>
+                      <a:endParaRPr lang="fr-FR"/>
+                    </a:p>
+                  </a:txBody>
+                  <a:tcPr/>
+                </a:tc>
+                <a:tc>
+                  <a:txBody>
+                    <a:bodyPr/>
+                    <a:lstStyle/>
+                    <a:p>
+                      <a:endParaRPr lang="fr-FR"/>
+                    </a:p>
+                  </a:txBody>
+                  <a:tcPr/>
+                </a:tc>
+                <a:tc>
+                  <a:txBody>
+                    <a:bodyPr/>
+                    <a:lstStyle/>
+                    <a:p>
+                      <a:endParaRPr lang="fr-FR"/>
+                    </a:p>
+                  </a:txBody>
+                  <a:tcPr/>
+                </a:tc>
+                <a:tc>
+                  <a:txBody>
+                    <a:bodyPr/>
+                    <a:lstStyle/>
+                    <a:p>
+                      <a:endParaRPr lang="fr-FR"/>
+                    </a:p>
+                  </a:txBody>
+                  <a:tcPr/>
+                </a:tc>
+                <a:tc>
+                  <a:txBody>
+                    <a:bodyPr/>
+                    <a:lstStyle/>
+                    <a:p>
+                      <a:endParaRPr lang="fr-FR"/>
+                    </a:p>
+                  </a:txBody>
+                  <a:tcPr/>
+                </a:tc>
+                <a:tc>
+                  <a:txBody>
+                    <a:bodyPr/>
+                    <a:lstStyle/>
+                    <a:p>
+                      <a:endParaRPr lang="fr-FR"/>
+                    </a:p>
+                  </a:txBody>
+                  <a:tcPr/>
+                </a:tc>
+                <a:tc>
+                  <a:txBody>
+                    <a:bodyPr/>
+                    <a:lstStyle/>
+                    <a:p>
+                      <a:endParaRPr lang="fr-FR"/>
+                    </a:p>
+                  </a:txBody>
+                  <a:tcPr/>
+                </a:tc>
+                <a:extLst>
+                  <a:ext uri="{0D108BD9-81ED-4DB2-BD59-A6C34878D82A}">
+                    <a16:rowId xmlns:a16="http://schemas.microsoft.com/office/drawing/2014/main" val="2369609376"/>
+                  </a:ext>
+                </a:extLst>
+              </a:tr>
+              <a:tr h="395554">
+                <a:tc>
+                  <a:txBody>
+                    <a:bodyPr/>
+                    <a:lstStyle/>
+                    <a:p>
+                      <a:r>
+                        <a:rPr lang="fr-FR" dirty="0" smtClean="0"/>
+                        <a:t>Maintenabilité</a:t>
+                      </a:r>
+                      <a:endParaRPr lang="fr-FR" dirty="0"/>
+                    </a:p>
+                  </a:txBody>
+                  <a:tcPr/>
+                </a:tc>
+                <a:tc>
+                  <a:txBody>
+                    <a:bodyPr/>
+                    <a:lstStyle/>
+                    <a:p>
+                      <a:endParaRPr lang="fr-FR"/>
+                    </a:p>
+                  </a:txBody>
+                  <a:tcPr/>
+                </a:tc>
+                <a:tc>
+                  <a:txBody>
+                    <a:bodyPr/>
+                    <a:lstStyle/>
+                    <a:p>
+                      <a:endParaRPr lang="fr-FR"/>
+                    </a:p>
+                  </a:txBody>
+                  <a:tcPr/>
+                </a:tc>
+                <a:tc>
+                  <a:txBody>
+                    <a:bodyPr/>
+                    <a:lstStyle/>
+                    <a:p>
+                      <a:endParaRPr lang="fr-FR"/>
+                    </a:p>
+                  </a:txBody>
+                  <a:tcPr/>
+                </a:tc>
+                <a:tc>
+                  <a:txBody>
+                    <a:bodyPr/>
+                    <a:lstStyle/>
+                    <a:p>
+                      <a:endParaRPr lang="fr-FR"/>
+                    </a:p>
+                  </a:txBody>
+                  <a:tcPr/>
+                </a:tc>
+                <a:tc>
+                  <a:txBody>
+                    <a:bodyPr/>
+                    <a:lstStyle/>
+                    <a:p>
+                      <a:endParaRPr lang="fr-FR"/>
+                    </a:p>
+                  </a:txBody>
+                  <a:tcPr/>
+                </a:tc>
+                <a:tc>
+                  <a:txBody>
+                    <a:bodyPr/>
+                    <a:lstStyle/>
+                    <a:p>
+                      <a:endParaRPr lang="fr-FR"/>
+                    </a:p>
+                  </a:txBody>
+                  <a:tcPr/>
+                </a:tc>
+                <a:tc>
+                  <a:txBody>
+                    <a:bodyPr/>
+                    <a:lstStyle/>
+                    <a:p>
+                      <a:endParaRPr lang="fr-FR"/>
+                    </a:p>
+                  </a:txBody>
+                  <a:tcPr/>
+                </a:tc>
+                <a:extLst>
+                  <a:ext uri="{0D108BD9-81ED-4DB2-BD59-A6C34878D82A}">
+                    <a16:rowId xmlns:a16="http://schemas.microsoft.com/office/drawing/2014/main" val="3442606692"/>
+                  </a:ext>
+                </a:extLst>
+              </a:tr>
+              <a:tr h="988886">
+                <a:tc>
+                  <a:txBody>
+                    <a:bodyPr/>
+                    <a:lstStyle/>
+                    <a:p>
+                      <a:r>
+                        <a:rPr lang="fr-FR" dirty="0" smtClean="0"/>
+                        <a:t>Les Fonctionnalités de l’application</a:t>
+                      </a:r>
+                    </a:p>
+                    <a:p>
+                      <a:endParaRPr lang="fr-FR" dirty="0"/>
+                    </a:p>
+                  </a:txBody>
+                  <a:tcPr/>
+                </a:tc>
+                <a:tc>
+                  <a:txBody>
+                    <a:bodyPr/>
+                    <a:lstStyle/>
+                    <a:p>
+                      <a:endParaRPr lang="fr-FR"/>
+                    </a:p>
+                  </a:txBody>
+                  <a:tcPr/>
+                </a:tc>
+                <a:tc>
+                  <a:txBody>
+                    <a:bodyPr/>
+                    <a:lstStyle/>
+                    <a:p>
+                      <a:endParaRPr lang="fr-FR"/>
+                    </a:p>
+                  </a:txBody>
+                  <a:tcPr/>
+                </a:tc>
+                <a:tc>
+                  <a:txBody>
+                    <a:bodyPr/>
+                    <a:lstStyle/>
+                    <a:p>
+                      <a:endParaRPr lang="fr-FR"/>
+                    </a:p>
+                  </a:txBody>
+                  <a:tcPr/>
+                </a:tc>
+                <a:tc>
+                  <a:txBody>
+                    <a:bodyPr/>
+                    <a:lstStyle/>
+                    <a:p>
+                      <a:endParaRPr lang="fr-FR"/>
+                    </a:p>
+                  </a:txBody>
+                  <a:tcPr/>
+                </a:tc>
+                <a:tc>
+                  <a:txBody>
+                    <a:bodyPr/>
+                    <a:lstStyle/>
+                    <a:p>
+                      <a:endParaRPr lang="fr-FR"/>
+                    </a:p>
+                  </a:txBody>
+                  <a:tcPr/>
+                </a:tc>
+                <a:tc>
+                  <a:txBody>
+                    <a:bodyPr/>
+                    <a:lstStyle/>
+                    <a:p>
+                      <a:endParaRPr lang="fr-FR"/>
+                    </a:p>
+                  </a:txBody>
+                  <a:tcPr/>
+                </a:tc>
+                <a:tc>
+                  <a:txBody>
+                    <a:bodyPr/>
+                    <a:lstStyle/>
+                    <a:p>
+                      <a:endParaRPr lang="fr-FR" dirty="0"/>
+                    </a:p>
+                  </a:txBody>
+                  <a:tcPr/>
+                </a:tc>
+                <a:extLst>
+                  <a:ext uri="{0D108BD9-81ED-4DB2-BD59-A6C34878D82A}">
+                    <a16:rowId xmlns:a16="http://schemas.microsoft.com/office/drawing/2014/main" val="87379738"/>
+                  </a:ext>
+                </a:extLst>
+              </a:tr>
+              <a:tr h="692220">
+                <a:tc>
+                  <a:txBody>
+                    <a:bodyPr/>
+                    <a:lstStyle/>
+                    <a:p>
+                      <a:r>
+                        <a:rPr lang="fr-FR" dirty="0" smtClean="0"/>
+                        <a:t>Type d'application Web</a:t>
+                      </a:r>
+                      <a:endParaRPr lang="fr-FR" dirty="0"/>
+                    </a:p>
+                  </a:txBody>
+                  <a:tcPr/>
+                </a:tc>
+                <a:tc>
+                  <a:txBody>
+                    <a:bodyPr/>
+                    <a:lstStyle/>
+                    <a:p>
+                      <a:endParaRPr lang="fr-FR"/>
+                    </a:p>
+                  </a:txBody>
+                  <a:tcPr/>
+                </a:tc>
+                <a:tc>
+                  <a:txBody>
+                    <a:bodyPr/>
+                    <a:lstStyle/>
+                    <a:p>
+                      <a:endParaRPr lang="fr-FR"/>
+                    </a:p>
+                  </a:txBody>
+                  <a:tcPr/>
+                </a:tc>
+                <a:tc>
+                  <a:txBody>
+                    <a:bodyPr/>
+                    <a:lstStyle/>
+                    <a:p>
+                      <a:endParaRPr lang="fr-FR"/>
+                    </a:p>
+                  </a:txBody>
+                  <a:tcPr/>
+                </a:tc>
+                <a:tc>
+                  <a:txBody>
+                    <a:bodyPr/>
+                    <a:lstStyle/>
+                    <a:p>
+                      <a:endParaRPr lang="fr-FR" dirty="0"/>
+                    </a:p>
+                  </a:txBody>
+                  <a:tcPr/>
+                </a:tc>
+                <a:tc>
+                  <a:txBody>
+                    <a:bodyPr/>
+                    <a:lstStyle/>
+                    <a:p>
+                      <a:endParaRPr lang="fr-FR"/>
+                    </a:p>
+                  </a:txBody>
+                  <a:tcPr/>
+                </a:tc>
+                <a:tc>
+                  <a:txBody>
+                    <a:bodyPr/>
+                    <a:lstStyle/>
+                    <a:p>
+                      <a:endParaRPr lang="fr-FR"/>
+                    </a:p>
+                  </a:txBody>
+                  <a:tcPr/>
+                </a:tc>
+                <a:tc>
+                  <a:txBody>
+                    <a:bodyPr/>
+                    <a:lstStyle/>
+                    <a:p>
+                      <a:endParaRPr lang="fr-FR"/>
+                    </a:p>
+                  </a:txBody>
+                  <a:tcPr/>
+                </a:tc>
+                <a:extLst>
+                  <a:ext uri="{0D108BD9-81ED-4DB2-BD59-A6C34878D82A}">
+                    <a16:rowId xmlns:a16="http://schemas.microsoft.com/office/drawing/2014/main" val="3689086532"/>
+                  </a:ext>
+                </a:extLst>
+              </a:tr>
+              <a:tr h="395554">
+                <a:tc>
+                  <a:txBody>
+                    <a:bodyPr/>
+                    <a:lstStyle/>
+                    <a:p>
+                      <a:r>
+                        <a:rPr lang="fr-FR" dirty="0" smtClean="0"/>
+                        <a:t>Performances</a:t>
+                      </a:r>
+                      <a:endParaRPr lang="fr-FR" dirty="0"/>
+                    </a:p>
+                  </a:txBody>
+                  <a:tcPr/>
+                </a:tc>
+                <a:tc>
+                  <a:txBody>
+                    <a:bodyPr/>
+                    <a:lstStyle/>
+                    <a:p>
+                      <a:endParaRPr lang="fr-FR" dirty="0"/>
+                    </a:p>
+                  </a:txBody>
+                  <a:tcPr/>
+                </a:tc>
+                <a:tc>
+                  <a:txBody>
+                    <a:bodyPr/>
+                    <a:lstStyle/>
+                    <a:p>
+                      <a:endParaRPr lang="fr-FR"/>
+                    </a:p>
+                  </a:txBody>
+                  <a:tcPr/>
+                </a:tc>
+                <a:tc>
+                  <a:txBody>
+                    <a:bodyPr/>
+                    <a:lstStyle/>
+                    <a:p>
+                      <a:endParaRPr lang="fr-FR"/>
+                    </a:p>
+                  </a:txBody>
+                  <a:tcPr/>
+                </a:tc>
+                <a:tc>
+                  <a:txBody>
+                    <a:bodyPr/>
+                    <a:lstStyle/>
+                    <a:p>
+                      <a:endParaRPr lang="fr-FR"/>
+                    </a:p>
+                  </a:txBody>
+                  <a:tcPr/>
+                </a:tc>
+                <a:tc>
+                  <a:txBody>
+                    <a:bodyPr/>
+                    <a:lstStyle/>
+                    <a:p>
+                      <a:endParaRPr lang="fr-FR" dirty="0"/>
+                    </a:p>
+                  </a:txBody>
+                  <a:tcPr/>
+                </a:tc>
+                <a:tc>
+                  <a:txBody>
+                    <a:bodyPr/>
+                    <a:lstStyle/>
+                    <a:p>
+                      <a:endParaRPr lang="fr-FR"/>
+                    </a:p>
+                  </a:txBody>
+                  <a:tcPr/>
+                </a:tc>
+                <a:tc>
+                  <a:txBody>
+                    <a:bodyPr/>
+                    <a:lstStyle/>
+                    <a:p>
+                      <a:endParaRPr lang="fr-FR" dirty="0"/>
+                    </a:p>
+                  </a:txBody>
+                  <a:tcPr/>
+                </a:tc>
+                <a:extLst>
+                  <a:ext uri="{0D108BD9-81ED-4DB2-BD59-A6C34878D82A}">
+                    <a16:rowId xmlns:a16="http://schemas.microsoft.com/office/drawing/2014/main" val="1723963612"/>
+                  </a:ext>
+                </a:extLst>
+              </a:tr>
+            </a:tbl>
+          </a:graphicData>
+        </a:graphic>
+      </p:graphicFrame>
+    </p:spTree>
+    <p:extLst>
+      <p:ext uri="{BB962C8B-B14F-4D97-AF65-F5344CB8AC3E}">
+        <p14:creationId xmlns:p14="http://schemas.microsoft.com/office/powerpoint/2010/main" val="1510750862"/>
+      </p:ext>
+    </p:extLst>
+  </p:cSld>
+  <p:clrMapOvr>
+    <a:masterClrMapping/>
+  </p:clrMapOvr>
+  <p:timing>
+    <p:tnLst>
+      <p:par>
+        <p:cTn id="1" dur="indefinite" restart="never" nodeType="tmRoot"/>
+      </p:par>
+    </p:tnLst>
+  </p:timing>
+</p:sld>
+</file>
+
+<file path=ppt/slides/slide6.xml><?xml version="1.0" encoding="utf-8"?>
+<p:sld xmlns:a="http://schemas.openxmlformats.org/drawingml/2006/main" xmlns:r="http://schemas.openxmlformats.org/officeDocument/2006/relationships" xmlns:p="http://schemas.openxmlformats.org/presentationml/2006/main">
+  <p:cSld>
+    <p:spTree>
+      <p:nvGrpSpPr>
+        <p:cNvPr id="1" name=""/>
+        <p:cNvGrpSpPr/>
+        <p:nvPr/>
+      </p:nvGrpSpPr>
+      <p:grpSpPr>
+        <a:xfrm>
+          <a:off x="0" y="0"/>
+          <a:ext cx="0" cy="0"/>
+          <a:chOff x="0" y="0"/>
+          <a:chExt cx="0" cy="0"/>
+        </a:xfrm>
+      </p:grpSpPr>
+      <p:sp>
+        <p:nvSpPr>
+          <p:cNvPr id="2" name="Title 1"/>
+          <p:cNvSpPr>
+            <a:spLocks noGrp="1"/>
+          </p:cNvSpPr>
+          <p:nvPr>
+            <p:ph type="title"/>
+          </p:nvPr>
+        </p:nvSpPr>
+        <p:spPr/>
+        <p:txBody>
+          <a:bodyPr/>
+          <a:lstStyle/>
+          <a:p>
+            <a:r>
+              <a:rPr lang="fr-FR" dirty="0" smtClean="0"/>
+              <a:t>Les projets </a:t>
+            </a:r>
+            <a:r>
+              <a:rPr lang="fr-FR" dirty="0"/>
+              <a:t>Web les plus </a:t>
+            </a:r>
+            <a:r>
+              <a:rPr lang="fr-FR" dirty="0" smtClean="0"/>
+              <a:t>réussis et le choix de la technologie</a:t>
+            </a:r>
+            <a:endParaRPr lang="fr-FR" dirty="0"/>
+          </a:p>
+        </p:txBody>
+      </p:sp>
+      <p:pic>
+        <p:nvPicPr>
+          <p:cNvPr id="4" name="Content Placeholder 3"/>
+          <p:cNvPicPr>
+            <a:picLocks noGrp="1" noChangeAspect="1"/>
+          </p:cNvPicPr>
+          <p:nvPr>
+            <p:ph idx="1"/>
+          </p:nvPr>
+        </p:nvPicPr>
+        <p:blipFill>
+          <a:blip r:embed="rId2"/>
+          <a:stretch>
+            <a:fillRect/>
+          </a:stretch>
+        </p:blipFill>
+        <p:spPr>
+          <a:xfrm>
+            <a:off x="1279814" y="2779062"/>
+            <a:ext cx="6667500" cy="1419225"/>
+          </a:xfrm>
+          <a:prstGeom prst="rect">
+            <a:avLst/>
+          </a:prstGeom>
+        </p:spPr>
+      </p:pic>
+      <p:sp>
+        <p:nvSpPr>
+          <p:cNvPr id="5" name="Rectangle 4"/>
+          <p:cNvSpPr/>
+          <p:nvPr/>
+        </p:nvSpPr>
+        <p:spPr>
+          <a:xfrm>
+            <a:off x="538768" y="2237244"/>
+            <a:ext cx="4737707" cy="369332"/>
+          </a:xfrm>
+          <a:prstGeom prst="rect">
+            <a:avLst/>
+          </a:prstGeom>
+        </p:spPr>
+        <p:txBody>
+          <a:bodyPr wrap="none">
+            <a:spAutoFit/>
+          </a:bodyPr>
+          <a:lstStyle/>
+          <a:p>
+            <a:r>
+              <a:rPr lang="fr-FR" dirty="0" err="1" smtClean="0">
+                <a:solidFill>
+                  <a:schemeClr val="accent2"/>
+                </a:solidFill>
+              </a:rPr>
+              <a:t>Airbnb</a:t>
+            </a:r>
+            <a:r>
+              <a:rPr lang="fr-FR" dirty="0" smtClean="0"/>
+              <a:t> : en </a:t>
+            </a:r>
+            <a:r>
+              <a:rPr lang="fr-FR" dirty="0"/>
+              <a:t>grande partie basé sur Ruby on Rails.</a:t>
+            </a:r>
+          </a:p>
+        </p:txBody>
+      </p:sp>
+      <p:pic>
+        <p:nvPicPr>
+          <p:cNvPr id="6" name="Picture 5"/>
+          <p:cNvPicPr>
+            <a:picLocks noChangeAspect="1"/>
+          </p:cNvPicPr>
+          <p:nvPr/>
+        </p:nvPicPr>
+        <p:blipFill>
+          <a:blip r:embed="rId3"/>
+          <a:stretch>
+            <a:fillRect/>
+          </a:stretch>
+        </p:blipFill>
+        <p:spPr>
+          <a:xfrm>
+            <a:off x="1279814" y="4922260"/>
+            <a:ext cx="6667500" cy="1419225"/>
+          </a:xfrm>
+          <a:prstGeom prst="rect">
+            <a:avLst/>
+          </a:prstGeom>
+        </p:spPr>
+      </p:pic>
+      <p:sp>
+        <p:nvSpPr>
+          <p:cNvPr id="7" name="Rectangle 6"/>
+          <p:cNvSpPr/>
+          <p:nvPr/>
+        </p:nvSpPr>
+        <p:spPr>
+          <a:xfrm>
+            <a:off x="538768" y="4420490"/>
+            <a:ext cx="3198311" cy="369332"/>
+          </a:xfrm>
+          <a:prstGeom prst="rect">
+            <a:avLst/>
+          </a:prstGeom>
+        </p:spPr>
+        <p:txBody>
+          <a:bodyPr wrap="none">
+            <a:spAutoFit/>
+          </a:bodyPr>
+          <a:lstStyle/>
+          <a:p>
+            <a:r>
+              <a:rPr lang="fr-FR" dirty="0" err="1" smtClean="0">
+                <a:solidFill>
+                  <a:schemeClr val="accent6">
+                    <a:lumMod val="75000"/>
+                  </a:schemeClr>
+                </a:solidFill>
+              </a:rPr>
+              <a:t>Shopify</a:t>
+            </a:r>
+            <a:r>
+              <a:rPr lang="fr-FR" dirty="0" smtClean="0"/>
+              <a:t> : basé </a:t>
+            </a:r>
+            <a:r>
+              <a:rPr lang="fr-FR" dirty="0"/>
+              <a:t>sur Ruby on Rails.</a:t>
+            </a:r>
+          </a:p>
+        </p:txBody>
+      </p:sp>
+    </p:spTree>
+    <p:extLst>
+      <p:ext uri="{BB962C8B-B14F-4D97-AF65-F5344CB8AC3E}">
+        <p14:creationId xmlns:p14="http://schemas.microsoft.com/office/powerpoint/2010/main" val="2395866466"/>
+      </p:ext>
+    </p:extLst>
+  </p:cSld>
+  <p:clrMapOvr>
+    <a:masterClrMapping/>
+  </p:clrMapOvr>
+  <p:timing>
+    <p:tnLst>
+      <p:par>
+        <p:cTn id="1" dur="indefinite" restart="never" nodeType="tmRoot"/>
+      </p:par>
+    </p:tnLst>
+  </p:timing>
+</p:sld>
+</file>
+
+<file path=ppt/slides/slide7.xml><?xml version="1.0" encoding="utf-8"?>
+<p:sld xmlns:a="http://schemas.openxmlformats.org/drawingml/2006/main" xmlns:r="http://schemas.openxmlformats.org/officeDocument/2006/relationships" xmlns:p="http://schemas.openxmlformats.org/presentationml/2006/main">
+  <p:cSld>
+    <p:spTree>
+      <p:nvGrpSpPr>
+        <p:cNvPr id="1" name=""/>
+        <p:cNvGrpSpPr/>
+        <p:nvPr/>
+      </p:nvGrpSpPr>
+      <p:grpSpPr>
+        <a:xfrm>
+          <a:off x="0" y="0"/>
+          <a:ext cx="0" cy="0"/>
+          <a:chOff x="0" y="0"/>
+          <a:chExt cx="0" cy="0"/>
+        </a:xfrm>
+      </p:grpSpPr>
+      <p:sp>
+        <p:nvSpPr>
+          <p:cNvPr id="2" name="Title 1"/>
+          <p:cNvSpPr>
+            <a:spLocks noGrp="1"/>
+          </p:cNvSpPr>
+          <p:nvPr>
+            <p:ph type="title"/>
+          </p:nvPr>
+        </p:nvSpPr>
+        <p:spPr/>
+        <p:txBody>
+          <a:bodyPr/>
+          <a:lstStyle/>
+          <a:p>
+            <a:r>
+              <a:rPr lang="fr-FR" dirty="0" smtClean="0"/>
+              <a:t>Les projets </a:t>
+            </a:r>
+            <a:r>
+              <a:rPr lang="fr-FR" dirty="0"/>
+              <a:t>Web les plus </a:t>
+            </a:r>
+            <a:r>
+              <a:rPr lang="fr-FR" dirty="0" smtClean="0"/>
+              <a:t>réussis et le choix de la technologie</a:t>
+            </a:r>
+            <a:endParaRPr lang="fr-FR" dirty="0"/>
+          </a:p>
+        </p:txBody>
+      </p:sp>
+      <p:sp>
+        <p:nvSpPr>
+          <p:cNvPr id="5" name="Rectangle 4"/>
+          <p:cNvSpPr/>
+          <p:nvPr/>
+        </p:nvSpPr>
+        <p:spPr>
+          <a:xfrm>
+            <a:off x="538768" y="2237244"/>
+            <a:ext cx="2062168" cy="369332"/>
+          </a:xfrm>
+          <a:prstGeom prst="rect">
+            <a:avLst/>
+          </a:prstGeom>
+        </p:spPr>
+        <p:txBody>
+          <a:bodyPr wrap="none">
+            <a:spAutoFit/>
+          </a:bodyPr>
+          <a:lstStyle/>
+          <a:p>
+            <a:r>
+              <a:rPr lang="fr-FR" dirty="0">
+                <a:solidFill>
+                  <a:srgbClr val="FF0000"/>
+                </a:solidFill>
+              </a:rPr>
+              <a:t>Instagram</a:t>
+            </a:r>
+            <a:r>
+              <a:rPr lang="fr-FR" dirty="0">
+                <a:solidFill>
+                  <a:srgbClr val="00B050"/>
+                </a:solidFill>
+              </a:rPr>
+              <a:t> :  </a:t>
+            </a:r>
+            <a:r>
+              <a:rPr lang="fr-FR" dirty="0"/>
+              <a:t>Python</a:t>
+            </a:r>
+            <a:r>
+              <a:rPr lang="fr-FR" dirty="0">
+                <a:solidFill>
+                  <a:srgbClr val="00B050"/>
+                </a:solidFill>
+              </a:rPr>
+              <a:t>.</a:t>
+            </a:r>
+            <a:endParaRPr lang="fr-FR" dirty="0"/>
+          </a:p>
+        </p:txBody>
+      </p:sp>
+      <p:sp>
+        <p:nvSpPr>
+          <p:cNvPr id="7" name="Rectangle 6"/>
+          <p:cNvSpPr/>
+          <p:nvPr/>
+        </p:nvSpPr>
+        <p:spPr>
+          <a:xfrm>
+            <a:off x="538768" y="4420490"/>
+            <a:ext cx="1627561" cy="369332"/>
+          </a:xfrm>
+          <a:prstGeom prst="rect">
+            <a:avLst/>
+          </a:prstGeom>
+        </p:spPr>
+        <p:txBody>
+          <a:bodyPr wrap="none">
+            <a:spAutoFit/>
+          </a:bodyPr>
+          <a:lstStyle/>
+          <a:p>
+            <a:r>
+              <a:rPr lang="fr-FR" dirty="0" smtClean="0">
+                <a:solidFill>
+                  <a:srgbClr val="0070C0"/>
+                </a:solidFill>
+              </a:rPr>
+              <a:t>Facebook</a:t>
+            </a:r>
+            <a:r>
+              <a:rPr lang="fr-FR" dirty="0" smtClean="0"/>
+              <a:t> : PHP</a:t>
+            </a:r>
+            <a:endParaRPr lang="fr-FR" dirty="0"/>
+          </a:p>
+        </p:txBody>
+      </p:sp>
+      <p:pic>
+        <p:nvPicPr>
+          <p:cNvPr id="1026" name="Picture 2" descr="Pile technique Instagram"/>
+          <p:cNvPicPr>
+            <a:picLocks noChangeAspect="1" noChangeArrowheads="1"/>
+          </p:cNvPicPr>
+          <p:nvPr/>
+        </p:nvPicPr>
+        <p:blipFill>
+          <a:blip r:embed="rId2">
+            <a:extLst>
+              <a:ext uri="{28A0092B-C50C-407E-A947-70E740481C1C}">
+                <a14:useLocalDpi xmlns:a14="http://schemas.microsoft.com/office/drawing/2010/main" val="0"/>
+              </a:ext>
+            </a:extLst>
+          </a:blip>
+          <a:srcRect/>
+          <a:stretch>
+            <a:fillRect/>
+          </a:stretch>
+        </p:blipFill>
+        <p:spPr bwMode="auto">
+          <a:xfrm>
+            <a:off x="1279814" y="2664330"/>
+            <a:ext cx="6667500" cy="1419226"/>
+          </a:xfrm>
+          <a:prstGeom prst="rect">
+            <a:avLst/>
+          </a:prstGeom>
+          <a:noFill/>
+          <a:extLst>
+            <a:ext uri="{909E8E84-426E-40DD-AFC4-6F175D3DCCD1}">
+              <a14:hiddenFill xmlns:a14="http://schemas.microsoft.com/office/drawing/2010/main">
+                <a:solidFill>
+                  <a:srgbClr val="FFFFFF"/>
+                </a:solidFill>
+              </a14:hiddenFill>
+            </a:ext>
+          </a:extLst>
+        </p:spPr>
+      </p:pic>
+      <p:pic>
+        <p:nvPicPr>
+          <p:cNvPr id="1028" name="Picture 4" descr="Pile technologique sur Facebook"/>
+          <p:cNvPicPr>
+            <a:picLocks noChangeAspect="1" noChangeArrowheads="1"/>
+          </p:cNvPicPr>
+          <p:nvPr/>
+        </p:nvPicPr>
+        <p:blipFill>
+          <a:blip r:embed="rId3">
+            <a:extLst>
+              <a:ext uri="{28A0092B-C50C-407E-A947-70E740481C1C}">
+                <a14:useLocalDpi xmlns:a14="http://schemas.microsoft.com/office/drawing/2010/main" val="0"/>
+              </a:ext>
+            </a:extLst>
+          </a:blip>
+          <a:srcRect/>
+          <a:stretch>
+            <a:fillRect/>
+          </a:stretch>
+        </p:blipFill>
+        <p:spPr bwMode="auto">
+          <a:xfrm>
+            <a:off x="1279814" y="5057198"/>
+            <a:ext cx="6667500" cy="1419226"/>
+          </a:xfrm>
+          <a:prstGeom prst="rect">
+            <a:avLst/>
+          </a:prstGeom>
+          <a:noFill/>
+          <a:extLst>
+            <a:ext uri="{909E8E84-426E-40DD-AFC4-6F175D3DCCD1}">
+              <a14:hiddenFill xmlns:a14="http://schemas.microsoft.com/office/drawing/2010/main">
+                <a:solidFill>
+                  <a:srgbClr val="FFFFFF"/>
+                </a:solidFill>
+              </a14:hiddenFill>
+            </a:ext>
+          </a:extLst>
+        </p:spPr>
+      </p:pic>
+    </p:spTree>
+    <p:extLst>
+      <p:ext uri="{BB962C8B-B14F-4D97-AF65-F5344CB8AC3E}">
+        <p14:creationId xmlns:p14="http://schemas.microsoft.com/office/powerpoint/2010/main" val="907657140"/>
+      </p:ext>
+    </p:extLst>
+  </p:cSld>
+  <p:clrMapOvr>
+    <a:masterClrMapping/>
+  </p:clrMapOvr>
+  <p:timing>
+    <p:tnLst>
+      <p:par>
+        <p:cTn id="1" dur="indefinite" restart="never" nodeType="tmRoot"/>
+      </p:par>
+    </p:tnLst>
+  </p:timing>
 </p:sld>
 </file>
 
@@ -3937,4 +5423,18 @@
     </a:ext>
   </a:extLst>
 </a:theme>
+</file>
+
+<file path=customXml/item1.xml><?xml version="1.0" encoding="utf-8"?>
+<Control xmlns="http://schemas.microsoft.com/VisualStudio/2011/storyboarding/control">
+  <Id Name="c62cdbb7-64d4-438f-8e3c-b47b60522095" Revision="1" Stencil="System.MyShapes" StencilVersion="1.0"/>
+</Control>
+</file>
+
+<file path=customXml/itemProps1.xml><?xml version="1.0" encoding="utf-8"?>
+<ds:datastoreItem xmlns:ds="http://schemas.openxmlformats.org/officeDocument/2006/customXml" ds:itemID="{D551D759-B4BF-4E60-88C9-A18202BE0E0D}">
+  <ds:schemaRefs>
+    <ds:schemaRef ds:uri="http://schemas.microsoft.com/VisualStudio/2011/storyboarding/control"/>
+  </ds:schemaRefs>
+</ds:datastoreItem>
 </file>